--- a/ME_PPT/MS1/Rdmap_PpList_Histo_Ms2027_GpBme_許書維_20250821_V1B1.pptx
+++ b/ME_PPT/MS1/Rdmap_PpList_Histo_Ms2027_GpBme_許書維_20250821_V1B1.pptx
@@ -4537,7 +4537,7 @@
         </p:nvSpPr>
         <p:spPr>
           <a:xfrm>
-            <a:off x="94791" y="3666655"/>
+            <a:off x="94791" y="3088101"/>
             <a:ext cx="1748825" cy="501743"/>
           </a:xfrm>
           <a:prstGeom prst="roundRect">
@@ -4616,7 +4616,7 @@
         </p:nvSpPr>
         <p:spPr>
           <a:xfrm>
-            <a:off x="3487057" y="3670652"/>
+            <a:off x="3487057" y="3085886"/>
             <a:ext cx="660563" cy="503422"/>
           </a:xfrm>
           <a:prstGeom prst="roundRect">
@@ -4708,7 +4708,7 @@
         </p:nvSpPr>
         <p:spPr>
           <a:xfrm>
-            <a:off x="4147620" y="3670652"/>
+            <a:off x="4147620" y="3090062"/>
             <a:ext cx="660562" cy="503422"/>
           </a:xfrm>
           <a:prstGeom prst="roundRect">
@@ -4820,7 +4820,7 @@
         </p:nvSpPr>
         <p:spPr>
           <a:xfrm>
-            <a:off x="3487057" y="4304179"/>
+            <a:off x="3487057" y="3687528"/>
             <a:ext cx="4524327" cy="400110"/>
           </a:xfrm>
           <a:prstGeom prst="rect">
@@ -4928,7 +4928,7 @@
         </p:nvSpPr>
         <p:spPr>
           <a:xfrm>
-            <a:off x="4147620" y="4744695"/>
+            <a:off x="4147620" y="4100112"/>
             <a:ext cx="4031869" cy="400110"/>
           </a:xfrm>
           <a:prstGeom prst="rect">
@@ -5089,7 +5089,7 @@
         <p:spPr>
           <a:xfrm>
             <a:off x="5844679" y="1133250"/>
-            <a:ext cx="1075666" cy="389768"/>
+            <a:ext cx="938059" cy="389768"/>
           </a:xfrm>
           <a:prstGeom prst="roundRect">
             <a:avLst/>
@@ -5178,8 +5178,8 @@
         </p:nvSpPr>
         <p:spPr>
           <a:xfrm>
-            <a:off x="5851977" y="3664977"/>
-            <a:ext cx="1744842" cy="503421"/>
+            <a:off x="5844679" y="3085886"/>
+            <a:ext cx="1562348" cy="503421"/>
           </a:xfrm>
           <a:prstGeom prst="roundRect">
             <a:avLst/>
@@ -5290,8 +5290,8 @@
         </p:nvSpPr>
         <p:spPr>
           <a:xfrm>
-            <a:off x="6920345" y="1129669"/>
-            <a:ext cx="1075666" cy="389768"/>
+            <a:off x="6782744" y="1139193"/>
+            <a:ext cx="803044" cy="389768"/>
           </a:xfrm>
           <a:prstGeom prst="roundRect">
             <a:avLst/>
@@ -5403,7 +5403,7 @@
                 <a:ea typeface="標楷體" panose="03000509000000000000" pitchFamily="65" charset="-120"/>
                 <a:cs typeface="Times New Roman" panose="02020603050405020304" pitchFamily="18" charset="0"/>
               </a:rPr>
-              <a:t>2) 07/01-08/08: [2]</a:t>
+              <a:t>2) 08/25-09/03: [2]</a:t>
             </a:r>
           </a:p>
           <a:p>
@@ -5435,8 +5435,8 @@
         </p:nvSpPr>
         <p:spPr>
           <a:xfrm>
-            <a:off x="6920345" y="2453922"/>
-            <a:ext cx="1882617" cy="553998"/>
+            <a:off x="6782738" y="2396303"/>
+            <a:ext cx="2020224" cy="553998"/>
           </a:xfrm>
           <a:prstGeom prst="rect">
             <a:avLst/>
@@ -5458,7 +5458,7 @@
                 <a:ea typeface="標楷體" panose="03000509000000000000" pitchFamily="65" charset="-120"/>
                 <a:cs typeface="Times New Roman" panose="02020603050405020304" pitchFamily="18" charset="0"/>
               </a:rPr>
-              <a:t>3) 07/01-08/08: [3]</a:t>
+              <a:t>3) 09/04-09/12: [3]</a:t>
             </a:r>
           </a:p>
           <a:p>
@@ -5615,7 +5615,7 @@
         <p:spPr>
           <a:xfrm>
             <a:off x="-69157" y="523848"/>
-            <a:ext cx="8854938" cy="1384995"/>
+            <a:ext cx="8854938" cy="1938992"/>
           </a:xfrm>
           <a:prstGeom prst="rect">
             <a:avLst/>
@@ -5737,6 +5737,41 @@
                 <a:latin typeface="Arial" panose="020B0604020202020204" pitchFamily="34" charset="0"/>
               </a:rPr>
               <a:t>[2] 	</a:t>
+            </a:r>
+            <a:r>
+              <a:rPr lang="en" altLang="zh-TW" sz="1200" dirty="0"/>
+              <a:t>O. </a:t>
+            </a:r>
+            <a:r>
+              <a:rPr lang="en" altLang="zh-TW" sz="1200" dirty="0" err="1"/>
+              <a:t>Ronneberger</a:t>
+            </a:r>
+            <a:r>
+              <a:rPr lang="en" altLang="zh-TW" sz="1200" dirty="0"/>
+              <a:t>, P. Fischer and T. Brox, “U-Net: Convolutional Networks for Biomedical Image Segmentation,” MICCAI 2015, LNCS 9351, pp. 234–241, Springer, 2015.</a:t>
+            </a:r>
+            <a:endParaRPr lang="en-US" altLang="zh-TW" sz="1200" dirty="0">
+              <a:solidFill>
+                <a:srgbClr val="222222"/>
+              </a:solidFill>
+              <a:latin typeface="Arial" panose="020B0604020202020204" pitchFamily="34" charset="0"/>
+            </a:endParaRPr>
+          </a:p>
+          <a:p>
+            <a:pPr marL="431800" lvl="1" indent="-293688" algn="just">
+              <a:buSzPct val="90000"/>
+            </a:pPr>
+            <a:r>
+              <a:rPr lang="en" altLang="zh-TW" sz="1200" dirty="0"/>
+              <a:t>[3]	J. Chen, Y. Lu, Q. Yu, X. Luo, E. Adeli, Y. Wang, L. Lu, A. L. Yuille and Y. Zhou, “</a:t>
+            </a:r>
+            <a:r>
+              <a:rPr lang="en" altLang="zh-TW" sz="1200" dirty="0" err="1"/>
+              <a:t>TransUNet</a:t>
+            </a:r>
+            <a:r>
+              <a:rPr lang="en" altLang="zh-TW" sz="1200" dirty="0"/>
+              <a:t>: Transformers Make Strong Encoders for Medical Image Segmentation,” Frontiers in Public Health, vol. 10, 2022.</a:t>
             </a:r>
           </a:p>
         </p:txBody>
